--- a/Presentation.pptx
+++ b/Presentation.pptx
@@ -810,9 +810,8 @@
           <a:bodyPr/>
           <a:lstStyle/>
           <a:p>
-            <a:fld id="{3CC51C71-3391-41C7-9B41-6DA360F310FC}" type="datetimeFigureOut">
-              <a:rPr lang="en-US" smtClean="0"/>
-              <a:pPr/>
+            <a:fld id="{3B1894FC-E103-41F5-BEC1-9C3532091CA7}" type="datetime1">
+              <a:rPr lang="en-US" smtClean="0"/>
               <a:t>1/29/2016</a:t>
             </a:fld>
             <a:endParaRPr lang="en-CA"/>
@@ -977,9 +976,8 @@
           <a:bodyPr/>
           <a:lstStyle/>
           <a:p>
-            <a:fld id="{3CC51C71-3391-41C7-9B41-6DA360F310FC}" type="datetimeFigureOut">
-              <a:rPr lang="en-US" smtClean="0"/>
-              <a:pPr/>
+            <a:fld id="{31429BB7-F491-4DAE-9AE8-4F585E466CED}" type="datetime1">
+              <a:rPr lang="en-US" smtClean="0"/>
               <a:t>1/29/2016</a:t>
             </a:fld>
             <a:endParaRPr lang="en-CA"/>
@@ -1154,9 +1152,8 @@
           <a:bodyPr/>
           <a:lstStyle/>
           <a:p>
-            <a:fld id="{3CC51C71-3391-41C7-9B41-6DA360F310FC}" type="datetimeFigureOut">
-              <a:rPr lang="en-US" smtClean="0"/>
-              <a:pPr/>
+            <a:fld id="{B29D62D9-8645-4901-AE86-1D5BE55BF8A5}" type="datetime1">
+              <a:rPr lang="en-US" smtClean="0"/>
               <a:t>1/29/2016</a:t>
             </a:fld>
             <a:endParaRPr lang="en-CA"/>
@@ -1321,9 +1318,8 @@
           <a:bodyPr/>
           <a:lstStyle/>
           <a:p>
-            <a:fld id="{3CC51C71-3391-41C7-9B41-6DA360F310FC}" type="datetimeFigureOut">
-              <a:rPr lang="en-US" smtClean="0"/>
-              <a:pPr/>
+            <a:fld id="{F80D4BE0-6D42-4AF8-8FC2-85A10C674A42}" type="datetime1">
+              <a:rPr lang="en-US" smtClean="0"/>
               <a:t>1/29/2016</a:t>
             </a:fld>
             <a:endParaRPr lang="en-CA"/>
@@ -1564,9 +1560,8 @@
           <a:bodyPr/>
           <a:lstStyle/>
           <a:p>
-            <a:fld id="{3CC51C71-3391-41C7-9B41-6DA360F310FC}" type="datetimeFigureOut">
-              <a:rPr lang="en-US" smtClean="0"/>
-              <a:pPr/>
+            <a:fld id="{717764C9-B656-4AB4-915E-031F82D736F1}" type="datetime1">
+              <a:rPr lang="en-US" smtClean="0"/>
               <a:t>1/29/2016</a:t>
             </a:fld>
             <a:endParaRPr lang="en-CA"/>
@@ -1849,9 +1844,8 @@
           <a:bodyPr/>
           <a:lstStyle/>
           <a:p>
-            <a:fld id="{3CC51C71-3391-41C7-9B41-6DA360F310FC}" type="datetimeFigureOut">
-              <a:rPr lang="en-US" smtClean="0"/>
-              <a:pPr/>
+            <a:fld id="{EDE94880-70CF-4368-AF99-197295159A3D}" type="datetime1">
+              <a:rPr lang="en-US" smtClean="0"/>
               <a:t>1/29/2016</a:t>
             </a:fld>
             <a:endParaRPr lang="en-CA"/>
@@ -2268,9 +2262,8 @@
           <a:bodyPr/>
           <a:lstStyle/>
           <a:p>
-            <a:fld id="{3CC51C71-3391-41C7-9B41-6DA360F310FC}" type="datetimeFigureOut">
-              <a:rPr lang="en-US" smtClean="0"/>
-              <a:pPr/>
+            <a:fld id="{E62B09E5-D1D7-4170-8307-C1534CDAF4F9}" type="datetime1">
+              <a:rPr lang="en-US" smtClean="0"/>
               <a:t>1/29/2016</a:t>
             </a:fld>
             <a:endParaRPr lang="en-CA"/>
@@ -2383,9 +2376,8 @@
           <a:bodyPr/>
           <a:lstStyle/>
           <a:p>
-            <a:fld id="{3CC51C71-3391-41C7-9B41-6DA360F310FC}" type="datetimeFigureOut">
-              <a:rPr lang="en-US" smtClean="0"/>
-              <a:pPr/>
+            <a:fld id="{2C1E43BD-402D-48B6-99F1-6B33DC7A8045}" type="datetime1">
+              <a:rPr lang="en-US" smtClean="0"/>
               <a:t>1/29/2016</a:t>
             </a:fld>
             <a:endParaRPr lang="en-CA"/>
@@ -2475,9 +2467,8 @@
           <a:bodyPr/>
           <a:lstStyle/>
           <a:p>
-            <a:fld id="{3CC51C71-3391-41C7-9B41-6DA360F310FC}" type="datetimeFigureOut">
-              <a:rPr lang="en-US" smtClean="0"/>
-              <a:pPr/>
+            <a:fld id="{59603D66-CAE1-4A28-92EA-E3E198D0192C}" type="datetime1">
+              <a:rPr lang="en-US" smtClean="0"/>
               <a:t>1/29/2016</a:t>
             </a:fld>
             <a:endParaRPr lang="en-CA"/>
@@ -2749,9 +2740,8 @@
           <a:bodyPr/>
           <a:lstStyle/>
           <a:p>
-            <a:fld id="{3CC51C71-3391-41C7-9B41-6DA360F310FC}" type="datetimeFigureOut">
-              <a:rPr lang="en-US" smtClean="0"/>
-              <a:pPr/>
+            <a:fld id="{08DC18AA-4619-45D8-A70F-CB57C4D13107}" type="datetime1">
+              <a:rPr lang="en-US" smtClean="0"/>
               <a:t>1/29/2016</a:t>
             </a:fld>
             <a:endParaRPr lang="en-CA"/>
@@ -2999,9 +2989,8 @@
           <a:bodyPr/>
           <a:lstStyle/>
           <a:p>
-            <a:fld id="{3CC51C71-3391-41C7-9B41-6DA360F310FC}" type="datetimeFigureOut">
-              <a:rPr lang="en-US" smtClean="0"/>
-              <a:pPr/>
+            <a:fld id="{64BB3973-35BD-4EAB-BFB8-51566BA65160}" type="datetime1">
+              <a:rPr lang="en-US" smtClean="0"/>
               <a:t>1/29/2016</a:t>
             </a:fld>
             <a:endParaRPr lang="en-CA"/>
@@ -3209,9 +3198,8 @@
             </a:lvl1pPr>
           </a:lstStyle>
           <a:p>
-            <a:fld id="{3CC51C71-3391-41C7-9B41-6DA360F310FC}" type="datetimeFigureOut">
-              <a:rPr lang="en-US" smtClean="0"/>
-              <a:pPr/>
+            <a:fld id="{5C686656-FAE6-437C-8C68-DBF8B3DDF5A3}" type="datetime1">
+              <a:rPr lang="en-US" smtClean="0"/>
               <a:t>1/29/2016</a:t>
             </a:fld>
             <a:endParaRPr lang="en-CA"/>
@@ -3313,6 +3301,7 @@
     <p:sldLayoutId id="2147483658" r:id="rId10"/>
     <p:sldLayoutId id="2147483659" r:id="rId11"/>
   </p:sldLayoutIdLst>
+  <p:hf hdr="0" ftr="0" dt="0"/>
   <p:txStyles>
     <p:titleStyle>
       <a:lvl1pPr algn="ctr" defTabSz="914400" rtl="0" eaLnBrk="1" latinLnBrk="0" hangingPunct="1">
@@ -3877,6 +3866,35 @@
           </a:fontRef>
         </p:style>
       </p:cxnSp>
+      <p:sp>
+        <p:nvSpPr>
+          <p:cNvPr id="11" name="Slide Number Placeholder 10"/>
+          <p:cNvSpPr>
+            <a:spLocks noGrp="1"/>
+          </p:cNvSpPr>
+          <p:nvPr>
+            <p:ph type="sldNum" sz="quarter" idx="12"/>
+          </p:nvPr>
+        </p:nvSpPr>
+        <p:spPr>
+          <a:xfrm>
+            <a:off x="6553200" y="6286520"/>
+            <a:ext cx="2133600" cy="365125"/>
+          </a:xfrm>
+        </p:spPr>
+        <p:txBody>
+          <a:bodyPr/>
+          <a:lstStyle/>
+          <a:p>
+            <a:fld id="{3E1D218B-D0C8-4B57-A33A-A84CB916D2FC}" type="slidenum">
+              <a:rPr lang="en-CA" smtClean="0"/>
+              <a:pPr/>
+              <a:t>1</a:t>
+            </a:fld>
+            <a:endParaRPr lang="en-CA" dirty="0"/>
+          </a:p>
+        </p:txBody>
+      </p:sp>
     </p:spTree>
   </p:cSld>
   <p:clrMapOvr>
@@ -4068,14 +4086,20 @@
           <a:p>
             <a:r>
               <a:rPr lang="en-CA" dirty="0" smtClean="0"/>
-              <a:t>Create an easy to use, interactive programming language to teach children to program</a:t>
-            </a:r>
+              <a:t>Create an easy to use, interactive program to teach children to program</a:t>
+            </a:r>
+          </a:p>
+          <a:p>
+            <a:endParaRPr lang="en-CA" dirty="0" smtClean="0"/>
           </a:p>
           <a:p>
             <a:r>
               <a:rPr lang="en-CA" dirty="0" smtClean="0"/>
               <a:t>Must teach users basics of programming</a:t>
             </a:r>
+          </a:p>
+          <a:p>
+            <a:endParaRPr lang="en-CA" dirty="0" smtClean="0"/>
           </a:p>
           <a:p>
             <a:r>
@@ -4131,11 +4155,47 @@
           </a:fontRef>
         </p:style>
       </p:cxnSp>
+      <p:sp>
+        <p:nvSpPr>
+          <p:cNvPr id="9" name="Slide Number Placeholder 8"/>
+          <p:cNvSpPr>
+            <a:spLocks noGrp="1"/>
+          </p:cNvSpPr>
+          <p:nvPr>
+            <p:ph type="sldNum" sz="quarter" idx="12"/>
+          </p:nvPr>
+        </p:nvSpPr>
+        <p:spPr>
+          <a:xfrm>
+            <a:off x="6553200" y="6286520"/>
+            <a:ext cx="2133600" cy="365125"/>
+          </a:xfrm>
+        </p:spPr>
+        <p:txBody>
+          <a:bodyPr/>
+          <a:lstStyle/>
+          <a:p>
+            <a:fld id="{3E1D218B-D0C8-4B57-A33A-A84CB916D2FC}" type="slidenum">
+              <a:rPr lang="en-CA" smtClean="0"/>
+              <a:pPr/>
+              <a:t>2</a:t>
+            </a:fld>
+            <a:endParaRPr lang="en-CA" dirty="0"/>
+          </a:p>
+        </p:txBody>
+      </p:sp>
     </p:spTree>
   </p:cSld>
   <p:clrMapOvr>
     <a:masterClrMapping/>
   </p:clrMapOvr>
+  <p:timing>
+    <p:tnLst>
+      <p:par>
+        <p:cTn id="1" dur="indefinite" restart="never" nodeType="tmRoot"/>
+      </p:par>
+    </p:tnLst>
+  </p:timing>
 </p:sld>
 </file>
 
@@ -4328,7 +4388,7 @@
                 <a:solidFill>
                   <a:srgbClr val="FF0000"/>
                 </a:solidFill>
-                <a:latin typeface="Comic Sans MS" pitchFamily="66" charset="0"/>
+                <a:latin typeface="Segoe Print" pitchFamily="2" charset="0"/>
               </a:rPr>
               <a:t>Candy</a:t>
             </a:r>
@@ -4339,24 +4399,24 @@
             </a:pPr>
             <a:r>
               <a:rPr lang="en-CA" sz="3600" dirty="0" smtClean="0">
-                <a:latin typeface="Comic Sans MS" pitchFamily="66" charset="0"/>
+                <a:latin typeface="Segoe Print" pitchFamily="2" charset="0"/>
               </a:rPr>
               <a:t>The </a:t>
             </a:r>
             <a:r>
               <a:rPr lang="en-CA" sz="3600" i="1" dirty="0" smtClean="0">
-                <a:latin typeface="Comic Sans MS" pitchFamily="66" charset="0"/>
+                <a:latin typeface="Segoe Print" pitchFamily="2" charset="0"/>
               </a:rPr>
               <a:t>Sweet</a:t>
             </a:r>
             <a:r>
               <a:rPr lang="en-CA" sz="3600" dirty="0" smtClean="0">
-                <a:latin typeface="Comic Sans MS" pitchFamily="66" charset="0"/>
+                <a:latin typeface="Segoe Print" pitchFamily="2" charset="0"/>
               </a:rPr>
               <a:t> Programming Language For Kids</a:t>
             </a:r>
             <a:endParaRPr lang="en-CA" sz="3600" dirty="0">
-              <a:latin typeface="Comic Sans MS" pitchFamily="66" charset="0"/>
+              <a:latin typeface="Segoe Print" pitchFamily="2" charset="0"/>
             </a:endParaRPr>
           </a:p>
         </p:txBody>
@@ -4403,11 +4463,47 @@
           </a:fontRef>
         </p:style>
       </p:cxnSp>
+      <p:sp>
+        <p:nvSpPr>
+          <p:cNvPr id="15" name="Slide Number Placeholder 14"/>
+          <p:cNvSpPr>
+            <a:spLocks noGrp="1"/>
+          </p:cNvSpPr>
+          <p:nvPr>
+            <p:ph type="sldNum" sz="quarter" idx="12"/>
+          </p:nvPr>
+        </p:nvSpPr>
+        <p:spPr>
+          <a:xfrm>
+            <a:off x="6553200" y="6286520"/>
+            <a:ext cx="2133600" cy="365125"/>
+          </a:xfrm>
+        </p:spPr>
+        <p:txBody>
+          <a:bodyPr/>
+          <a:lstStyle/>
+          <a:p>
+            <a:fld id="{3E1D218B-D0C8-4B57-A33A-A84CB916D2FC}" type="slidenum">
+              <a:rPr lang="en-CA" smtClean="0"/>
+              <a:pPr/>
+              <a:t>3</a:t>
+            </a:fld>
+            <a:endParaRPr lang="en-CA" dirty="0"/>
+          </a:p>
+        </p:txBody>
+      </p:sp>
     </p:spTree>
   </p:cSld>
   <p:clrMapOvr>
     <a:masterClrMapping/>
   </p:clrMapOvr>
+  <p:timing>
+    <p:tnLst>
+      <p:par>
+        <p:cTn id="1" dur="indefinite" restart="never" nodeType="tmRoot"/>
+      </p:par>
+    </p:tnLst>
+  </p:timing>
 </p:sld>
 </file>
 
@@ -4586,7 +4682,11 @@
           <a:p>
             <a:r>
               <a:rPr lang="en-CA" dirty="0" smtClean="0"/>
-              <a:t>Fun and simple</a:t>
+              <a:t>Fun, simple and </a:t>
+            </a:r>
+            <a:r>
+              <a:rPr lang="en-CA" dirty="0" smtClean="0"/>
+              <a:t>interactive</a:t>
             </a:r>
           </a:p>
           <a:p>
@@ -4595,7 +4695,7 @@
           <a:p>
             <a:r>
               <a:rPr lang="en-CA" dirty="0" smtClean="0"/>
-              <a:t>Interactive</a:t>
+              <a:t>Chapters system teaching different concepts</a:t>
             </a:r>
           </a:p>
           <a:p>
@@ -4651,6 +4751,35 @@
           </a:fontRef>
         </p:style>
       </p:cxnSp>
+      <p:sp>
+        <p:nvSpPr>
+          <p:cNvPr id="9" name="Slide Number Placeholder 8"/>
+          <p:cNvSpPr>
+            <a:spLocks noGrp="1"/>
+          </p:cNvSpPr>
+          <p:nvPr>
+            <p:ph type="sldNum" sz="quarter" idx="12"/>
+          </p:nvPr>
+        </p:nvSpPr>
+        <p:spPr>
+          <a:xfrm>
+            <a:off x="6553200" y="6286520"/>
+            <a:ext cx="2133600" cy="365125"/>
+          </a:xfrm>
+        </p:spPr>
+        <p:txBody>
+          <a:bodyPr/>
+          <a:lstStyle/>
+          <a:p>
+            <a:fld id="{3E1D218B-D0C8-4B57-A33A-A84CB916D2FC}" type="slidenum">
+              <a:rPr lang="en-CA" smtClean="0"/>
+              <a:pPr/>
+              <a:t>4</a:t>
+            </a:fld>
+            <a:endParaRPr lang="en-CA" dirty="0"/>
+          </a:p>
+        </p:txBody>
+      </p:sp>
     </p:spTree>
   </p:cSld>
   <p:clrMapOvr>
@@ -4842,8 +4971,9 @@
           <a:p>
             <a:r>
               <a:rPr lang="en-CA" dirty="0" smtClean="0"/>
-              <a:t>Efficient, scalable and flexible</a:t>
-            </a:r>
+              <a:t>Expandable and maintainable</a:t>
+            </a:r>
+            <a:endParaRPr lang="en-CA" dirty="0" smtClean="0"/>
           </a:p>
           <a:p>
             <a:endParaRPr lang="en-CA" dirty="0" smtClean="0"/>
@@ -4915,6 +5045,35 @@
           </a:fontRef>
         </p:style>
       </p:cxnSp>
+      <p:sp>
+        <p:nvSpPr>
+          <p:cNvPr id="9" name="Slide Number Placeholder 8"/>
+          <p:cNvSpPr>
+            <a:spLocks noGrp="1"/>
+          </p:cNvSpPr>
+          <p:nvPr>
+            <p:ph type="sldNum" sz="quarter" idx="12"/>
+          </p:nvPr>
+        </p:nvSpPr>
+        <p:spPr>
+          <a:xfrm>
+            <a:off x="6553200" y="6286520"/>
+            <a:ext cx="2133600" cy="365125"/>
+          </a:xfrm>
+        </p:spPr>
+        <p:txBody>
+          <a:bodyPr/>
+          <a:lstStyle/>
+          <a:p>
+            <a:fld id="{3E1D218B-D0C8-4B57-A33A-A84CB916D2FC}" type="slidenum">
+              <a:rPr lang="en-CA" smtClean="0"/>
+              <a:pPr/>
+              <a:t>5</a:t>
+            </a:fld>
+            <a:endParaRPr lang="en-CA" dirty="0"/>
+          </a:p>
+        </p:txBody>
+      </p:sp>
     </p:spTree>
   </p:cSld>
   <p:clrMapOvr>
@@ -5121,7 +5280,7 @@
           <a:p>
             <a:r>
               <a:rPr lang="en-CA" dirty="0" smtClean="0"/>
-              <a:t>Programming Language </a:t>
+              <a:t>Programming language </a:t>
             </a:r>
             <a:r>
               <a:rPr lang="en-CA" dirty="0" smtClean="0"/>
@@ -5210,6 +5369,35 @@
           </a:fontRef>
         </p:style>
       </p:cxnSp>
+      <p:sp>
+        <p:nvSpPr>
+          <p:cNvPr id="14" name="Slide Number Placeholder 13"/>
+          <p:cNvSpPr>
+            <a:spLocks noGrp="1"/>
+          </p:cNvSpPr>
+          <p:nvPr>
+            <p:ph type="sldNum" sz="quarter" idx="12"/>
+          </p:nvPr>
+        </p:nvSpPr>
+        <p:spPr>
+          <a:xfrm>
+            <a:off x="6553200" y="6286520"/>
+            <a:ext cx="2133600" cy="365125"/>
+          </a:xfrm>
+        </p:spPr>
+        <p:txBody>
+          <a:bodyPr/>
+          <a:lstStyle/>
+          <a:p>
+            <a:fld id="{3E1D218B-D0C8-4B57-A33A-A84CB916D2FC}" type="slidenum">
+              <a:rPr lang="en-CA" smtClean="0"/>
+              <a:pPr/>
+              <a:t>6</a:t>
+            </a:fld>
+            <a:endParaRPr lang="en-CA" dirty="0"/>
+          </a:p>
+        </p:txBody>
+      </p:sp>
     </p:spTree>
   </p:cSld>
   <p:clrMapOvr>
@@ -5459,6 +5647,35 @@
           </a:fontRef>
         </p:style>
       </p:cxnSp>
+      <p:sp>
+        <p:nvSpPr>
+          <p:cNvPr id="9" name="Slide Number Placeholder 8"/>
+          <p:cNvSpPr>
+            <a:spLocks noGrp="1"/>
+          </p:cNvSpPr>
+          <p:nvPr>
+            <p:ph type="sldNum" sz="quarter" idx="12"/>
+          </p:nvPr>
+        </p:nvSpPr>
+        <p:spPr>
+          <a:xfrm>
+            <a:off x="6553200" y="6286520"/>
+            <a:ext cx="2133600" cy="365125"/>
+          </a:xfrm>
+        </p:spPr>
+        <p:txBody>
+          <a:bodyPr/>
+          <a:lstStyle/>
+          <a:p>
+            <a:fld id="{3E1D218B-D0C8-4B57-A33A-A84CB916D2FC}" type="slidenum">
+              <a:rPr lang="en-CA" smtClean="0"/>
+              <a:pPr/>
+              <a:t>7</a:t>
+            </a:fld>
+            <a:endParaRPr lang="en-CA" dirty="0"/>
+          </a:p>
+        </p:txBody>
+      </p:sp>
     </p:spTree>
   </p:cSld>
   <p:clrMapOvr>
@@ -5659,8 +5876,22 @@
           <a:p>
             <a:r>
               <a:rPr lang="en-CA" dirty="0" smtClean="0"/>
-              <a:t>End-to-End development cycle</a:t>
-            </a:r>
+              <a:t>End-to-End development </a:t>
+            </a:r>
+            <a:r>
+              <a:rPr lang="en-CA" dirty="0" smtClean="0"/>
+              <a:t>cycle</a:t>
+            </a:r>
+          </a:p>
+          <a:p>
+            <a:endParaRPr lang="en-CA" dirty="0" smtClean="0"/>
+          </a:p>
+          <a:p>
+            <a:r>
+              <a:rPr lang="en-CA" dirty="0" smtClean="0"/>
+              <a:t>Quick team meeting to discuss major obstacles</a:t>
+            </a:r>
+            <a:endParaRPr lang="en-CA" dirty="0" smtClean="0"/>
           </a:p>
         </p:txBody>
       </p:sp>
@@ -5706,6 +5937,35 @@
           </a:fontRef>
         </p:style>
       </p:cxnSp>
+      <p:sp>
+        <p:nvSpPr>
+          <p:cNvPr id="9" name="Slide Number Placeholder 8"/>
+          <p:cNvSpPr>
+            <a:spLocks noGrp="1"/>
+          </p:cNvSpPr>
+          <p:nvPr>
+            <p:ph type="sldNum" sz="quarter" idx="12"/>
+          </p:nvPr>
+        </p:nvSpPr>
+        <p:spPr>
+          <a:xfrm>
+            <a:off x="6553200" y="6286520"/>
+            <a:ext cx="2133600" cy="365125"/>
+          </a:xfrm>
+        </p:spPr>
+        <p:txBody>
+          <a:bodyPr/>
+          <a:lstStyle/>
+          <a:p>
+            <a:fld id="{3E1D218B-D0C8-4B57-A33A-A84CB916D2FC}" type="slidenum">
+              <a:rPr lang="en-CA" smtClean="0"/>
+              <a:pPr/>
+              <a:t>8</a:t>
+            </a:fld>
+            <a:endParaRPr lang="en-CA" dirty="0"/>
+          </a:p>
+        </p:txBody>
+      </p:sp>
     </p:spTree>
   </p:cSld>
   <p:clrMapOvr>
@@ -5897,7 +6157,15 @@
           <a:p>
             <a:r>
               <a:rPr lang="en-CA" dirty="0" smtClean="0"/>
-              <a:t>Add functionality to teach more programming concepts</a:t>
+              <a:t>Add </a:t>
+            </a:r>
+            <a:r>
+              <a:rPr lang="en-CA" dirty="0" smtClean="0"/>
+              <a:t>Chapters </a:t>
+            </a:r>
+            <a:r>
+              <a:rPr lang="en-CA" dirty="0" smtClean="0"/>
+              <a:t>to teach more programming concepts</a:t>
             </a:r>
           </a:p>
           <a:p>
@@ -5906,7 +6174,7 @@
           <a:p>
             <a:r>
               <a:rPr lang="en-CA" dirty="0" smtClean="0"/>
-              <a:t>Improve user interface</a:t>
+              <a:t>Improve user interface including animations</a:t>
             </a:r>
           </a:p>
           <a:p>
@@ -5959,6 +6227,91 @@
           </a:fontRef>
         </p:style>
       </p:cxnSp>
+      <p:sp>
+        <p:nvSpPr>
+          <p:cNvPr id="16" name="Slide Number Placeholder 15"/>
+          <p:cNvSpPr>
+            <a:spLocks noGrp="1"/>
+          </p:cNvSpPr>
+          <p:nvPr>
+            <p:ph type="sldNum" sz="quarter" idx="12"/>
+          </p:nvPr>
+        </p:nvSpPr>
+        <p:spPr>
+          <a:xfrm>
+            <a:off x="6553200" y="6286520"/>
+            <a:ext cx="2133600" cy="365125"/>
+          </a:xfrm>
+        </p:spPr>
+        <p:txBody>
+          <a:bodyPr/>
+          <a:lstStyle/>
+          <a:p>
+            <a:fld id="{3E1D218B-D0C8-4B57-A33A-A84CB916D2FC}" type="slidenum">
+              <a:rPr lang="en-CA" smtClean="0"/>
+              <a:pPr/>
+              <a:t>9</a:t>
+            </a:fld>
+            <a:endParaRPr lang="en-CA" dirty="0"/>
+          </a:p>
+        </p:txBody>
+      </p:sp>
+      <p:pic>
+        <p:nvPicPr>
+          <p:cNvPr id="2050" name="Picture 2" descr="C:\Users\Chris\Desktop\5da796760591cee9f13ea959775e5b66.jpg"/>
+          <p:cNvPicPr>
+            <a:picLocks noChangeAspect="1" noChangeArrowheads="1"/>
+          </p:cNvPicPr>
+          <p:nvPr/>
+        </p:nvPicPr>
+        <p:blipFill>
+          <a:blip r:embed="rId3"/>
+          <a:srcRect/>
+          <a:stretch>
+            <a:fillRect/>
+          </a:stretch>
+        </p:blipFill>
+        <p:spPr bwMode="auto">
+          <a:xfrm>
+            <a:off x="6500826" y="3786190"/>
+            <a:ext cx="2247900" cy="2295525"/>
+          </a:xfrm>
+          <a:prstGeom prst="rect">
+            <a:avLst/>
+          </a:prstGeom>
+          <a:noFill/>
+        </p:spPr>
+      </p:pic>
+      <p:sp>
+        <p:nvSpPr>
+          <p:cNvPr id="17" name="TextBox 16"/>
+          <p:cNvSpPr txBox="1"/>
+          <p:nvPr/>
+        </p:nvSpPr>
+        <p:spPr>
+          <a:xfrm>
+            <a:off x="7765096" y="6072206"/>
+            <a:ext cx="1015021" cy="215444"/>
+          </a:xfrm>
+          <a:prstGeom prst="rect">
+            <a:avLst/>
+          </a:prstGeom>
+          <a:noFill/>
+        </p:spPr>
+        <p:txBody>
+          <a:bodyPr wrap="none" rtlCol="0">
+            <a:spAutoFit/>
+          </a:bodyPr>
+          <a:lstStyle/>
+          <a:p>
+            <a:r>
+              <a:rPr lang="en-US" sz="800" dirty="0" smtClean="0"/>
+              <a:t>www.pinterest.com</a:t>
+            </a:r>
+            <a:endParaRPr lang="en-US" sz="800" dirty="0"/>
+          </a:p>
+        </p:txBody>
+      </p:sp>
     </p:spTree>
   </p:cSld>
   <p:clrMapOvr>

--- a/Presentation.pptx
+++ b/Presentation.pptx
@@ -812,6 +812,7 @@
           <a:p>
             <a:fld id="{3B1894FC-E103-41F5-BEC1-9C3532091CA7}" type="datetime1">
               <a:rPr lang="en-US" smtClean="0"/>
+              <a:pPr/>
               <a:t>1/29/2016</a:t>
             </a:fld>
             <a:endParaRPr lang="en-CA"/>
@@ -978,6 +979,7 @@
           <a:p>
             <a:fld id="{31429BB7-F491-4DAE-9AE8-4F585E466CED}" type="datetime1">
               <a:rPr lang="en-US" smtClean="0"/>
+              <a:pPr/>
               <a:t>1/29/2016</a:t>
             </a:fld>
             <a:endParaRPr lang="en-CA"/>
@@ -1154,6 +1156,7 @@
           <a:p>
             <a:fld id="{B29D62D9-8645-4901-AE86-1D5BE55BF8A5}" type="datetime1">
               <a:rPr lang="en-US" smtClean="0"/>
+              <a:pPr/>
               <a:t>1/29/2016</a:t>
             </a:fld>
             <a:endParaRPr lang="en-CA"/>
@@ -1320,6 +1323,7 @@
           <a:p>
             <a:fld id="{F80D4BE0-6D42-4AF8-8FC2-85A10C674A42}" type="datetime1">
               <a:rPr lang="en-US" smtClean="0"/>
+              <a:pPr/>
               <a:t>1/29/2016</a:t>
             </a:fld>
             <a:endParaRPr lang="en-CA"/>
@@ -1562,6 +1566,7 @@
           <a:p>
             <a:fld id="{717764C9-B656-4AB4-915E-031F82D736F1}" type="datetime1">
               <a:rPr lang="en-US" smtClean="0"/>
+              <a:pPr/>
               <a:t>1/29/2016</a:t>
             </a:fld>
             <a:endParaRPr lang="en-CA"/>
@@ -1846,6 +1851,7 @@
           <a:p>
             <a:fld id="{EDE94880-70CF-4368-AF99-197295159A3D}" type="datetime1">
               <a:rPr lang="en-US" smtClean="0"/>
+              <a:pPr/>
               <a:t>1/29/2016</a:t>
             </a:fld>
             <a:endParaRPr lang="en-CA"/>
@@ -2264,6 +2270,7 @@
           <a:p>
             <a:fld id="{E62B09E5-D1D7-4170-8307-C1534CDAF4F9}" type="datetime1">
               <a:rPr lang="en-US" smtClean="0"/>
+              <a:pPr/>
               <a:t>1/29/2016</a:t>
             </a:fld>
             <a:endParaRPr lang="en-CA"/>
@@ -2378,6 +2385,7 @@
           <a:p>
             <a:fld id="{2C1E43BD-402D-48B6-99F1-6B33DC7A8045}" type="datetime1">
               <a:rPr lang="en-US" smtClean="0"/>
+              <a:pPr/>
               <a:t>1/29/2016</a:t>
             </a:fld>
             <a:endParaRPr lang="en-CA"/>
@@ -2469,6 +2477,7 @@
           <a:p>
             <a:fld id="{59603D66-CAE1-4A28-92EA-E3E198D0192C}" type="datetime1">
               <a:rPr lang="en-US" smtClean="0"/>
+              <a:pPr/>
               <a:t>1/29/2016</a:t>
             </a:fld>
             <a:endParaRPr lang="en-CA"/>
@@ -2742,6 +2751,7 @@
           <a:p>
             <a:fld id="{08DC18AA-4619-45D8-A70F-CB57C4D13107}" type="datetime1">
               <a:rPr lang="en-US" smtClean="0"/>
+              <a:pPr/>
               <a:t>1/29/2016</a:t>
             </a:fld>
             <a:endParaRPr lang="en-CA"/>
@@ -2991,6 +3001,7 @@
           <a:p>
             <a:fld id="{64BB3973-35BD-4EAB-BFB8-51566BA65160}" type="datetime1">
               <a:rPr lang="en-US" smtClean="0"/>
+              <a:pPr/>
               <a:t>1/29/2016</a:t>
             </a:fld>
             <a:endParaRPr lang="en-CA"/>
@@ -3200,6 +3211,7 @@
           <a:p>
             <a:fld id="{5C686656-FAE6-437C-8C68-DBF8B3DDF5A3}" type="datetime1">
               <a:rPr lang="en-US" smtClean="0"/>
+              <a:pPr/>
               <a:t>1/29/2016</a:t>
             </a:fld>
             <a:endParaRPr lang="en-CA"/>
@@ -3638,7 +3650,17 @@
                   </a:schemeClr>
                 </a:solidFill>
               </a:rPr>
-              <a:t>Daniel Sauvé</a:t>
+              <a:t>Daniel </a:t>
+            </a:r>
+            <a:r>
+              <a:rPr lang="en-CA" dirty="0" smtClean="0">
+                <a:solidFill>
+                  <a:schemeClr val="bg2">
+                    <a:lumMod val="25000"/>
+                  </a:schemeClr>
+                </a:solidFill>
+              </a:rPr>
+              <a:t>Sauvé</a:t>
             </a:r>
             <a:endParaRPr lang="en-CA" dirty="0">
               <a:solidFill>
@@ -3775,19 +3797,7 @@
           <a:p>
             <a:r>
               <a:rPr lang="en-CA" b="1" dirty="0" smtClean="0"/>
-              <a:t>Ontario </a:t>
-            </a:r>
-            <a:r>
-              <a:rPr lang="en-CA" b="1" dirty="0" smtClean="0"/>
-              <a:t>Engineering Competition </a:t>
-            </a:r>
-            <a:r>
-              <a:rPr lang="en-CA" b="1" dirty="0" smtClean="0"/>
-              <a:t>2016</a:t>
-            </a:r>
-            <a:r>
-              <a:rPr lang="en-CA" b="1" dirty="0" smtClean="0"/>
-              <a:t/>
+              <a:t>Ontario Engineering Competition 2016</a:t>
             </a:r>
             <a:br>
               <a:rPr lang="en-CA" b="1" dirty="0" smtClean="0"/>
@@ -3809,7 +3819,7 @@
           <p:nvPr/>
         </p:nvPicPr>
         <p:blipFill>
-          <a:blip r:embed="rId2"/>
+          <a:blip r:embed="rId2" cstate="print"/>
           <a:stretch>
             <a:fillRect/>
           </a:stretch>
@@ -3985,7 +3995,7 @@
           <p:nvPr/>
         </p:nvPicPr>
         <p:blipFill>
-          <a:blip r:embed="rId3"/>
+          <a:blip r:embed="rId3" cstate="print"/>
           <a:stretch>
             <a:fillRect/>
           </a:stretch>
@@ -4086,17 +4096,35 @@
           <a:p>
             <a:r>
               <a:rPr lang="en-CA" dirty="0" smtClean="0"/>
-              <a:t>Create an easy to use, interactive program to teach children to program</a:t>
-            </a:r>
-          </a:p>
-          <a:p>
+              <a:t>Create an easy to use, interactive </a:t>
+            </a:r>
+            <a:r>
+              <a:rPr lang="en-CA" dirty="0" smtClean="0"/>
+              <a:t>application </a:t>
+            </a:r>
+            <a:r>
+              <a:rPr lang="en-CA" dirty="0" smtClean="0"/>
+              <a:t>to teach children </a:t>
+            </a:r>
+            <a:r>
+              <a:rPr lang="en-CA" dirty="0" smtClean="0"/>
+              <a:t>programming</a:t>
+            </a:r>
             <a:endParaRPr lang="en-CA" dirty="0" smtClean="0"/>
           </a:p>
           <a:p>
+            <a:endParaRPr lang="en-CA" dirty="0" smtClean="0"/>
+          </a:p>
+          <a:p>
             <a:r>
               <a:rPr lang="en-CA" dirty="0" smtClean="0"/>
-              <a:t>Must teach users basics of programming</a:t>
-            </a:r>
+              <a:t>Must teach </a:t>
+            </a:r>
+            <a:r>
+              <a:rPr lang="en-CA" dirty="0" smtClean="0"/>
+              <a:t>basic programming concepts</a:t>
+            </a:r>
+            <a:endParaRPr lang="en-CA" dirty="0" smtClean="0"/>
           </a:p>
           <a:p>
             <a:endParaRPr lang="en-CA" dirty="0" smtClean="0"/>
@@ -4106,7 +4134,6 @@
               <a:rPr lang="en-CA" dirty="0" smtClean="0"/>
               <a:t>Kids must be able to create their own code and view the response</a:t>
             </a:r>
-            <a:endParaRPr lang="en-CA" dirty="0" smtClean="0"/>
           </a:p>
           <a:p>
             <a:endParaRPr lang="en-CA" dirty="0"/>
@@ -4225,7 +4252,7 @@
           <p:nvPr/>
         </p:nvPicPr>
         <p:blipFill>
-          <a:blip r:embed="rId3"/>
+          <a:blip r:embed="rId3" cstate="print"/>
           <a:srcRect/>
           <a:stretch>
             <a:fillRect/>
@@ -4299,7 +4326,7 @@
           <p:nvPr/>
         </p:nvPicPr>
         <p:blipFill>
-          <a:blip r:embed="rId4"/>
+          <a:blip r:embed="rId4" cstate="print"/>
           <a:stretch>
             <a:fillRect/>
           </a:stretch>
@@ -4581,7 +4608,7 @@
           <p:nvPr/>
         </p:nvPicPr>
         <p:blipFill>
-          <a:blip r:embed="rId2"/>
+          <a:blip r:embed="rId2" cstate="print"/>
           <a:stretch>
             <a:fillRect/>
           </a:stretch>
@@ -4686,16 +4713,21 @@
             </a:r>
             <a:r>
               <a:rPr lang="en-CA" dirty="0" smtClean="0"/>
-              <a:t>interactive</a:t>
-            </a:r>
-          </a:p>
-          <a:p>
+              <a:t>interactive game</a:t>
+            </a:r>
             <a:endParaRPr lang="en-CA" dirty="0" smtClean="0"/>
           </a:p>
           <a:p>
+            <a:endParaRPr lang="en-CA" dirty="0" smtClean="0"/>
+          </a:p>
+          <a:p>
             <a:r>
               <a:rPr lang="en-CA" dirty="0" smtClean="0"/>
-              <a:t>Chapters system teaching different concepts</a:t>
+              <a:t>Chapters/Level </a:t>
+            </a:r>
+            <a:r>
+              <a:rPr lang="en-CA" dirty="0" smtClean="0"/>
+              <a:t>system teaching different concepts</a:t>
             </a:r>
           </a:p>
           <a:p>
@@ -4704,7 +4736,15 @@
           <a:p>
             <a:r>
               <a:rPr lang="en-CA" dirty="0" smtClean="0"/>
-              <a:t>Children create there own code</a:t>
+              <a:t>Children </a:t>
+            </a:r>
+            <a:r>
+              <a:rPr lang="en-CA" dirty="0" smtClean="0"/>
+              <a:t>create and run their </a:t>
+            </a:r>
+            <a:r>
+              <a:rPr lang="en-CA" dirty="0" smtClean="0"/>
+              <a:t>own code</a:t>
             </a:r>
           </a:p>
         </p:txBody>
@@ -4870,7 +4910,7 @@
           <p:nvPr/>
         </p:nvPicPr>
         <p:blipFill>
-          <a:blip r:embed="rId2"/>
+          <a:blip r:embed="rId2" cstate="print"/>
           <a:stretch>
             <a:fillRect/>
           </a:stretch>
@@ -4971,30 +5011,34 @@
           <a:p>
             <a:r>
               <a:rPr lang="en-CA" dirty="0" smtClean="0"/>
-              <a:t>Expandable and maintainable</a:t>
-            </a:r>
+              <a:t>Easily expandable </a:t>
+            </a:r>
+            <a:r>
+              <a:rPr lang="en-CA" dirty="0" smtClean="0"/>
+              <a:t>and maintainable</a:t>
+            </a:r>
+          </a:p>
+          <a:p>
             <a:endParaRPr lang="en-CA" dirty="0" smtClean="0"/>
           </a:p>
           <a:p>
+            <a:r>
+              <a:rPr lang="en-CA" dirty="0" smtClean="0"/>
+              <a:t>User </a:t>
+            </a:r>
+            <a:r>
+              <a:rPr lang="en-CA" dirty="0" smtClean="0"/>
+              <a:t>friendly, simple intuitive design</a:t>
+            </a:r>
             <a:endParaRPr lang="en-CA" dirty="0" smtClean="0"/>
           </a:p>
           <a:p>
+            <a:endParaRPr lang="en-CA" dirty="0" smtClean="0"/>
+          </a:p>
+          <a:p>
             <a:r>
               <a:rPr lang="en-CA" dirty="0" smtClean="0"/>
-              <a:t>User friendly</a:t>
-            </a:r>
-          </a:p>
-          <a:p>
-            <a:endParaRPr lang="en-CA" dirty="0" smtClean="0"/>
-          </a:p>
-          <a:p>
-            <a:r>
-              <a:rPr lang="en-CA" dirty="0" smtClean="0"/>
-              <a:t>Doesn’t require </a:t>
-            </a:r>
-            <a:r>
-              <a:rPr lang="en-CA" dirty="0" smtClean="0"/>
-              <a:t>teachers to show kids what to do</a:t>
+              <a:t>Gives kids a sandbox to work and experiment in</a:t>
             </a:r>
             <a:endParaRPr lang="en-CA" dirty="0" smtClean="0"/>
           </a:p>
@@ -5164,7 +5208,7 @@
           <p:nvPr/>
         </p:nvPicPr>
         <p:blipFill>
-          <a:blip r:embed="rId2"/>
+          <a:blip r:embed="rId2" cstate="print"/>
           <a:stretch>
             <a:fillRect/>
           </a:stretch>
@@ -5267,26 +5311,17 @@
           <a:p>
             <a:r>
               <a:rPr lang="en-CA" dirty="0" smtClean="0"/>
-              <a:t>Recognize major obstacles, </a:t>
-            </a:r>
+              <a:t>Recognize major obstacles, priorities</a:t>
+            </a:r>
+          </a:p>
+          <a:p>
+            <a:endParaRPr lang="en-CA" dirty="0" smtClean="0"/>
+          </a:p>
+          <a:p>
             <a:r>
               <a:rPr lang="en-CA" dirty="0" smtClean="0"/>
-              <a:t>priorities</a:t>
-            </a:r>
-          </a:p>
-          <a:p>
-            <a:endParaRPr lang="en-CA" dirty="0" smtClean="0"/>
-          </a:p>
-          <a:p>
-            <a:r>
-              <a:rPr lang="en-CA" dirty="0" smtClean="0"/>
-              <a:t>Programming language </a:t>
-            </a:r>
-            <a:r>
-              <a:rPr lang="en-CA" dirty="0" smtClean="0"/>
-              <a:t>selection </a:t>
-            </a:r>
-            <a:endParaRPr lang="en-CA" dirty="0" smtClean="0"/>
+              <a:t>Programming language selection </a:t>
+            </a:r>
           </a:p>
           <a:p>
             <a:pPr lvl="1"/>
@@ -5308,11 +5343,7 @@
           <a:p>
             <a:r>
               <a:rPr lang="en-CA" dirty="0" smtClean="0"/>
-              <a:t>Delegation of </a:t>
-            </a:r>
-            <a:r>
-              <a:rPr lang="en-CA" dirty="0" smtClean="0"/>
-              <a:t>tasks</a:t>
+              <a:t>Delegation of tasks</a:t>
             </a:r>
           </a:p>
           <a:p>
@@ -5323,7 +5354,6 @@
               <a:rPr lang="en-CA" dirty="0" smtClean="0"/>
               <a:t>Create our own language</a:t>
             </a:r>
-            <a:endParaRPr lang="en-CA" dirty="0" smtClean="0"/>
           </a:p>
         </p:txBody>
       </p:sp>
@@ -5480,7 +5510,7 @@
           <p:nvPr/>
         </p:nvPicPr>
         <p:blipFill>
-          <a:blip r:embed="rId2"/>
+          <a:blip r:embed="rId2" cstate="print"/>
           <a:stretch>
             <a:fillRect/>
           </a:stretch>
@@ -5590,16 +5620,26 @@
           <a:p>
             <a:r>
               <a:rPr lang="en-CA" dirty="0" smtClean="0"/>
-              <a:t>Use Python to interpret code</a:t>
-            </a:r>
-          </a:p>
-          <a:p>
+              <a:t>Translate custom “Candy” code into Python</a:t>
+            </a:r>
             <a:endParaRPr lang="en-CA" dirty="0" smtClean="0"/>
           </a:p>
           <a:p>
+            <a:endParaRPr lang="en-CA" dirty="0" smtClean="0"/>
+          </a:p>
+          <a:p>
             <a:r>
               <a:rPr lang="en-CA" dirty="0" smtClean="0"/>
-              <a:t>Decide how the program will teach programming</a:t>
+              <a:t>Decide on simple, testable examples</a:t>
+            </a:r>
+          </a:p>
+          <a:p>
+            <a:endParaRPr lang="en-CA" dirty="0" smtClean="0"/>
+          </a:p>
+          <a:p>
+            <a:r>
+              <a:rPr lang="en-CA" dirty="0" smtClean="0"/>
+              <a:t>Keep things simple, Strings only</a:t>
             </a:r>
             <a:endParaRPr lang="en-CA" dirty="0" smtClean="0"/>
           </a:p>
@@ -5766,7 +5806,7 @@
           <p:nvPr/>
         </p:nvPicPr>
         <p:blipFill>
-          <a:blip r:embed="rId2"/>
+          <a:blip r:embed="rId2" cstate="print"/>
           <a:stretch>
             <a:fillRect/>
           </a:stretch>
@@ -5876,20 +5916,32 @@
           <a:p>
             <a:r>
               <a:rPr lang="en-CA" dirty="0" smtClean="0"/>
-              <a:t>End-to-End development </a:t>
-            </a:r>
+              <a:t>End-to-End development cycle</a:t>
+            </a:r>
+          </a:p>
+          <a:p>
+            <a:endParaRPr lang="en-CA" dirty="0" smtClean="0"/>
+          </a:p>
+          <a:p>
             <a:r>
               <a:rPr lang="en-CA" dirty="0" smtClean="0"/>
-              <a:t>cycle</a:t>
-            </a:r>
-          </a:p>
-          <a:p>
-            <a:endParaRPr lang="en-CA" dirty="0" smtClean="0"/>
-          </a:p>
-          <a:p>
+              <a:t>Quick, regular </a:t>
+            </a:r>
             <a:r>
               <a:rPr lang="en-CA" dirty="0" smtClean="0"/>
-              <a:t>Quick team meeting to discuss major obstacles</a:t>
+              <a:t>team </a:t>
+            </a:r>
+            <a:r>
+              <a:rPr lang="en-CA" dirty="0" smtClean="0"/>
+              <a:t>meetings </a:t>
+            </a:r>
+            <a:r>
+              <a:rPr lang="en-CA" dirty="0" smtClean="0"/>
+              <a:t>to discuss major </a:t>
+            </a:r>
+            <a:r>
+              <a:rPr lang="en-CA" dirty="0" smtClean="0"/>
+              <a:t>obstacles and progress</a:t>
             </a:r>
             <a:endParaRPr lang="en-CA" dirty="0" smtClean="0"/>
           </a:p>
@@ -6056,7 +6108,7 @@
           <p:nvPr/>
         </p:nvPicPr>
         <p:blipFill>
-          <a:blip r:embed="rId2"/>
+          <a:blip r:embed="rId2" cstate="print"/>
           <a:stretch>
             <a:fillRect/>
           </a:stretch>
@@ -6161,7 +6213,7 @@
             </a:r>
             <a:r>
               <a:rPr lang="en-CA" dirty="0" smtClean="0"/>
-              <a:t>Chapters </a:t>
+              <a:t>more chapters/levels </a:t>
             </a:r>
             <a:r>
               <a:rPr lang="en-CA" dirty="0" smtClean="0"/>
@@ -6174,8 +6226,13 @@
           <a:p>
             <a:r>
               <a:rPr lang="en-CA" dirty="0" smtClean="0"/>
-              <a:t>Improve user interface including animations</a:t>
-            </a:r>
+              <a:t>Improve user interface including </a:t>
+            </a:r>
+            <a:r>
+              <a:rPr lang="en-CA" dirty="0" smtClean="0"/>
+              <a:t>animations, games, and rewards</a:t>
+            </a:r>
+            <a:endParaRPr lang="en-CA" dirty="0" smtClean="0"/>
           </a:p>
           <a:p>
             <a:endParaRPr lang="en-CA" dirty="0" smtClean="0"/>
@@ -6265,7 +6322,7 @@
           <p:nvPr/>
         </p:nvPicPr>
         <p:blipFill>
-          <a:blip r:embed="rId3"/>
+          <a:blip r:embed="rId3" cstate="print"/>
           <a:srcRect/>
           <a:stretch>
             <a:fillRect/>

--- a/Presentation.pptx
+++ b/Presentation.pptx
@@ -201,7 +201,7 @@
             <a:fld id="{B7C85491-E8B0-4F9F-900A-9BCAAC8D7210}" type="datetimeFigureOut">
               <a:rPr lang="en-US" smtClean="0"/>
               <a:pPr/>
-              <a:t>1/29/2016</a:t>
+              <a:t>1/30/2016</a:t>
             </a:fld>
             <a:endParaRPr lang="en-US"/>
           </a:p>
@@ -813,7 +813,7 @@
             <a:fld id="{3B1894FC-E103-41F5-BEC1-9C3532091CA7}" type="datetime1">
               <a:rPr lang="en-US" smtClean="0"/>
               <a:pPr/>
-              <a:t>1/29/2016</a:t>
+              <a:t>1/30/2016</a:t>
             </a:fld>
             <a:endParaRPr lang="en-CA"/>
           </a:p>
@@ -980,7 +980,7 @@
             <a:fld id="{31429BB7-F491-4DAE-9AE8-4F585E466CED}" type="datetime1">
               <a:rPr lang="en-US" smtClean="0"/>
               <a:pPr/>
-              <a:t>1/29/2016</a:t>
+              <a:t>1/30/2016</a:t>
             </a:fld>
             <a:endParaRPr lang="en-CA"/>
           </a:p>
@@ -1157,7 +1157,7 @@
             <a:fld id="{B29D62D9-8645-4901-AE86-1D5BE55BF8A5}" type="datetime1">
               <a:rPr lang="en-US" smtClean="0"/>
               <a:pPr/>
-              <a:t>1/29/2016</a:t>
+              <a:t>1/30/2016</a:t>
             </a:fld>
             <a:endParaRPr lang="en-CA"/>
           </a:p>
@@ -1324,7 +1324,7 @@
             <a:fld id="{F80D4BE0-6D42-4AF8-8FC2-85A10C674A42}" type="datetime1">
               <a:rPr lang="en-US" smtClean="0"/>
               <a:pPr/>
-              <a:t>1/29/2016</a:t>
+              <a:t>1/30/2016</a:t>
             </a:fld>
             <a:endParaRPr lang="en-CA"/>
           </a:p>
@@ -1567,7 +1567,7 @@
             <a:fld id="{717764C9-B656-4AB4-915E-031F82D736F1}" type="datetime1">
               <a:rPr lang="en-US" smtClean="0"/>
               <a:pPr/>
-              <a:t>1/29/2016</a:t>
+              <a:t>1/30/2016</a:t>
             </a:fld>
             <a:endParaRPr lang="en-CA"/>
           </a:p>
@@ -1852,7 +1852,7 @@
             <a:fld id="{EDE94880-70CF-4368-AF99-197295159A3D}" type="datetime1">
               <a:rPr lang="en-US" smtClean="0"/>
               <a:pPr/>
-              <a:t>1/29/2016</a:t>
+              <a:t>1/30/2016</a:t>
             </a:fld>
             <a:endParaRPr lang="en-CA"/>
           </a:p>
@@ -2271,7 +2271,7 @@
             <a:fld id="{E62B09E5-D1D7-4170-8307-C1534CDAF4F9}" type="datetime1">
               <a:rPr lang="en-US" smtClean="0"/>
               <a:pPr/>
-              <a:t>1/29/2016</a:t>
+              <a:t>1/30/2016</a:t>
             </a:fld>
             <a:endParaRPr lang="en-CA"/>
           </a:p>
@@ -2386,7 +2386,7 @@
             <a:fld id="{2C1E43BD-402D-48B6-99F1-6B33DC7A8045}" type="datetime1">
               <a:rPr lang="en-US" smtClean="0"/>
               <a:pPr/>
-              <a:t>1/29/2016</a:t>
+              <a:t>1/30/2016</a:t>
             </a:fld>
             <a:endParaRPr lang="en-CA"/>
           </a:p>
@@ -2478,7 +2478,7 @@
             <a:fld id="{59603D66-CAE1-4A28-92EA-E3E198D0192C}" type="datetime1">
               <a:rPr lang="en-US" smtClean="0"/>
               <a:pPr/>
-              <a:t>1/29/2016</a:t>
+              <a:t>1/30/2016</a:t>
             </a:fld>
             <a:endParaRPr lang="en-CA"/>
           </a:p>
@@ -2752,7 +2752,7 @@
             <a:fld id="{08DC18AA-4619-45D8-A70F-CB57C4D13107}" type="datetime1">
               <a:rPr lang="en-US" smtClean="0"/>
               <a:pPr/>
-              <a:t>1/29/2016</a:t>
+              <a:t>1/30/2016</a:t>
             </a:fld>
             <a:endParaRPr lang="en-CA"/>
           </a:p>
@@ -3002,7 +3002,7 @@
             <a:fld id="{64BB3973-35BD-4EAB-BFB8-51566BA65160}" type="datetime1">
               <a:rPr lang="en-US" smtClean="0"/>
               <a:pPr/>
-              <a:t>1/29/2016</a:t>
+              <a:t>1/30/2016</a:t>
             </a:fld>
             <a:endParaRPr lang="en-CA"/>
           </a:p>
@@ -3212,7 +3212,7 @@
             <a:fld id="{5C686656-FAE6-437C-8C68-DBF8B3DDF5A3}" type="datetime1">
               <a:rPr lang="en-US" smtClean="0"/>
               <a:pPr/>
-              <a:t>1/29/2016</a:t>
+              <a:t>1/30/2016</a:t>
             </a:fld>
             <a:endParaRPr lang="en-CA"/>
           </a:p>
@@ -3650,17 +3650,7 @@
                   </a:schemeClr>
                 </a:solidFill>
               </a:rPr>
-              <a:t>Daniel </a:t>
-            </a:r>
-            <a:r>
-              <a:rPr lang="en-CA" dirty="0" smtClean="0">
-                <a:solidFill>
-                  <a:schemeClr val="bg2">
-                    <a:lumMod val="25000"/>
-                  </a:schemeClr>
-                </a:solidFill>
-              </a:rPr>
-              <a:t>Sauvé</a:t>
+              <a:t>Daniel Sauvé</a:t>
             </a:r>
             <a:endParaRPr lang="en-CA" dirty="0">
               <a:solidFill>
@@ -4096,35 +4086,17 @@
           <a:p>
             <a:r>
               <a:rPr lang="en-CA" dirty="0" smtClean="0"/>
-              <a:t>Create an easy to use, interactive </a:t>
-            </a:r>
+              <a:t>Create an easy to use, interactive application to teach children programming</a:t>
+            </a:r>
+          </a:p>
+          <a:p>
+            <a:endParaRPr lang="en-CA" dirty="0" smtClean="0"/>
+          </a:p>
+          <a:p>
             <a:r>
               <a:rPr lang="en-CA" dirty="0" smtClean="0"/>
-              <a:t>application </a:t>
-            </a:r>
-            <a:r>
-              <a:rPr lang="en-CA" dirty="0" smtClean="0"/>
-              <a:t>to teach children </a:t>
-            </a:r>
-            <a:r>
-              <a:rPr lang="en-CA" dirty="0" smtClean="0"/>
-              <a:t>programming</a:t>
-            </a:r>
-            <a:endParaRPr lang="en-CA" dirty="0" smtClean="0"/>
-          </a:p>
-          <a:p>
-            <a:endParaRPr lang="en-CA" dirty="0" smtClean="0"/>
-          </a:p>
-          <a:p>
-            <a:r>
-              <a:rPr lang="en-CA" dirty="0" smtClean="0"/>
-              <a:t>Must teach </a:t>
-            </a:r>
-            <a:r>
-              <a:rPr lang="en-CA" dirty="0" smtClean="0"/>
-              <a:t>basic programming concepts</a:t>
-            </a:r>
-            <a:endParaRPr lang="en-CA" dirty="0" smtClean="0"/>
+              <a:t>Must teach basic programming concepts</a:t>
+            </a:r>
           </a:p>
           <a:p>
             <a:endParaRPr lang="en-CA" dirty="0" smtClean="0"/>
@@ -4434,13 +4406,19 @@
               <a:rPr lang="en-CA" sz="3600" i="1" dirty="0" smtClean="0">
                 <a:latin typeface="Segoe Print" pitchFamily="2" charset="0"/>
               </a:rPr>
-              <a:t>Sweet</a:t>
+              <a:t>Sweetest</a:t>
             </a:r>
             <a:r>
               <a:rPr lang="en-CA" sz="3600" dirty="0" smtClean="0">
                 <a:latin typeface="Segoe Print" pitchFamily="2" charset="0"/>
               </a:rPr>
-              <a:t> Programming Language For Kids</a:t>
+              <a:t> </a:t>
+            </a:r>
+            <a:r>
+              <a:rPr lang="en-CA" sz="3600" dirty="0" smtClean="0">
+                <a:latin typeface="Segoe Print" pitchFamily="2" charset="0"/>
+              </a:rPr>
+              <a:t>Programming Language For Kids</a:t>
             </a:r>
             <a:endParaRPr lang="en-CA" sz="3600" dirty="0">
               <a:latin typeface="Segoe Print" pitchFamily="2" charset="0"/>
@@ -4709,42 +4687,25 @@
           <a:p>
             <a:r>
               <a:rPr lang="en-CA" dirty="0" smtClean="0"/>
-              <a:t>Fun, simple and </a:t>
-            </a:r>
+              <a:t>Fun, simple and interactive game</a:t>
+            </a:r>
+          </a:p>
+          <a:p>
+            <a:endParaRPr lang="en-CA" dirty="0" smtClean="0"/>
+          </a:p>
+          <a:p>
             <a:r>
               <a:rPr lang="en-CA" dirty="0" smtClean="0"/>
-              <a:t>interactive game</a:t>
-            </a:r>
+              <a:t>Chapters/Level system teaching different concepts</a:t>
+            </a:r>
+          </a:p>
+          <a:p>
             <a:endParaRPr lang="en-CA" dirty="0" smtClean="0"/>
           </a:p>
           <a:p>
-            <a:endParaRPr lang="en-CA" dirty="0" smtClean="0"/>
-          </a:p>
-          <a:p>
             <a:r>
               <a:rPr lang="en-CA" dirty="0" smtClean="0"/>
-              <a:t>Chapters/Level </a:t>
-            </a:r>
-            <a:r>
-              <a:rPr lang="en-CA" dirty="0" smtClean="0"/>
-              <a:t>system teaching different concepts</a:t>
-            </a:r>
-          </a:p>
-          <a:p>
-            <a:endParaRPr lang="en-CA" dirty="0" smtClean="0"/>
-          </a:p>
-          <a:p>
-            <a:r>
-              <a:rPr lang="en-CA" dirty="0" smtClean="0"/>
-              <a:t>Children </a:t>
-            </a:r>
-            <a:r>
-              <a:rPr lang="en-CA" dirty="0" smtClean="0"/>
-              <a:t>create and run their </a:t>
-            </a:r>
-            <a:r>
-              <a:rPr lang="en-CA" dirty="0" smtClean="0"/>
-              <a:t>own code</a:t>
+              <a:t>Children create and run their own code</a:t>
             </a:r>
           </a:p>
         </p:txBody>
@@ -5011,26 +4972,17 @@
           <a:p>
             <a:r>
               <a:rPr lang="en-CA" dirty="0" smtClean="0"/>
-              <a:t>Easily expandable </a:t>
-            </a:r>
+              <a:t>Easily expandable and maintainable</a:t>
+            </a:r>
+          </a:p>
+          <a:p>
+            <a:endParaRPr lang="en-CA" dirty="0" smtClean="0"/>
+          </a:p>
+          <a:p>
             <a:r>
               <a:rPr lang="en-CA" dirty="0" smtClean="0"/>
-              <a:t>and maintainable</a:t>
-            </a:r>
-          </a:p>
-          <a:p>
-            <a:endParaRPr lang="en-CA" dirty="0" smtClean="0"/>
-          </a:p>
-          <a:p>
-            <a:r>
-              <a:rPr lang="en-CA" dirty="0" smtClean="0"/>
-              <a:t>User </a:t>
-            </a:r>
-            <a:r>
-              <a:rPr lang="en-CA" dirty="0" smtClean="0"/>
-              <a:t>friendly, simple intuitive design</a:t>
-            </a:r>
-            <a:endParaRPr lang="en-CA" dirty="0" smtClean="0"/>
+              <a:t>User friendly, simple intuitive design</a:t>
+            </a:r>
           </a:p>
           <a:p>
             <a:endParaRPr lang="en-CA" dirty="0" smtClean="0"/>
@@ -5040,7 +4992,6 @@
               <a:rPr lang="en-CA" dirty="0" smtClean="0"/>
               <a:t>Gives kids a sandbox to work and experiment in</a:t>
             </a:r>
-            <a:endParaRPr lang="en-CA" dirty="0" smtClean="0"/>
           </a:p>
           <a:p>
             <a:endParaRPr lang="en-CA" dirty="0"/>
@@ -5622,7 +5573,6 @@
               <a:rPr lang="en-CA" dirty="0" smtClean="0"/>
               <a:t>Translate custom “Candy” code into Python</a:t>
             </a:r>
-            <a:endParaRPr lang="en-CA" dirty="0" smtClean="0"/>
           </a:p>
           <a:p>
             <a:endParaRPr lang="en-CA" dirty="0" smtClean="0"/>
@@ -5641,7 +5591,6 @@
               <a:rPr lang="en-CA" dirty="0" smtClean="0"/>
               <a:t>Keep things simple, Strings only</a:t>
             </a:r>
-            <a:endParaRPr lang="en-CA" dirty="0" smtClean="0"/>
           </a:p>
         </p:txBody>
       </p:sp>
@@ -5925,25 +5874,8 @@
           <a:p>
             <a:r>
               <a:rPr lang="en-CA" dirty="0" smtClean="0"/>
-              <a:t>Quick, regular </a:t>
-            </a:r>
-            <a:r>
-              <a:rPr lang="en-CA" dirty="0" smtClean="0"/>
-              <a:t>team </a:t>
-            </a:r>
-            <a:r>
-              <a:rPr lang="en-CA" dirty="0" smtClean="0"/>
-              <a:t>meetings </a:t>
-            </a:r>
-            <a:r>
-              <a:rPr lang="en-CA" dirty="0" smtClean="0"/>
-              <a:t>to discuss major </a:t>
-            </a:r>
-            <a:r>
-              <a:rPr lang="en-CA" dirty="0" smtClean="0"/>
-              <a:t>obstacles and progress</a:t>
-            </a:r>
-            <a:endParaRPr lang="en-CA" dirty="0" smtClean="0"/>
+              <a:t>Quick, regular team meetings to discuss major obstacles and progress</a:t>
+            </a:r>
           </a:p>
         </p:txBody>
       </p:sp>
@@ -6209,15 +6141,7 @@
           <a:p>
             <a:r>
               <a:rPr lang="en-CA" dirty="0" smtClean="0"/>
-              <a:t>Add </a:t>
-            </a:r>
-            <a:r>
-              <a:rPr lang="en-CA" dirty="0" smtClean="0"/>
-              <a:t>more chapters/levels </a:t>
-            </a:r>
-            <a:r>
-              <a:rPr lang="en-CA" dirty="0" smtClean="0"/>
-              <a:t>to teach more programming concepts</a:t>
+              <a:t>Add more chapters/levels to teach more programming concepts</a:t>
             </a:r>
           </a:p>
           <a:p>
@@ -6228,10 +6152,27 @@
               <a:rPr lang="en-CA" dirty="0" smtClean="0"/>
               <a:t>Improve user interface including </a:t>
             </a:r>
+          </a:p>
+          <a:p>
+            <a:pPr>
+              <a:buNone/>
+            </a:pPr>
             <a:r>
               <a:rPr lang="en-CA" dirty="0" smtClean="0"/>
-              <a:t>animations, games, and rewards</a:t>
-            </a:r>
+              <a:t>	animations, games, and rewards</a:t>
+            </a:r>
+          </a:p>
+          <a:p>
+            <a:endParaRPr lang="en-CA" dirty="0" smtClean="0"/>
+          </a:p>
+          <a:p>
+            <a:r>
+              <a:rPr lang="en-CA" dirty="0" smtClean="0"/>
+              <a:t>Revise storyline</a:t>
+            </a:r>
+            <a:endParaRPr lang="en-CA" dirty="0" smtClean="0"/>
+          </a:p>
+          <a:p>
             <a:endParaRPr lang="en-CA" dirty="0" smtClean="0"/>
           </a:p>
           <a:p>
